--- a/2024 - 01/Ambiente Corporativo/Feedback.pptx
+++ b/2024 - 01/Ambiente Corporativo/Feedback.pptx
@@ -115,6 +115,11 @@
       </a:defRPr>
     </a:lvl9pPr>
   </p:defaultTextStyle>
+  <p:extLst>
+    <p:ext uri="{EFAFB233-063F-42B5-8137-9DF3F51BA10A}">
+      <p15:sldGuideLst xmlns:p15="http://schemas.microsoft.com/office/powerpoint/2012/main"/>
+    </p:ext>
+  </p:extLst>
 </p:presentation>
 </file>
 
@@ -146,7 +151,7 @@
         <a:lstStyle/>
         <a:p>
           <a:pPr>
-            <a:defRPr sz="1862" b="1" i="0" u="none" strike="noStrike" kern="1200" cap="all" spc="50" baseline="0">
+            <a:defRPr sz="3600" b="1" i="0" u="none" strike="noStrike" kern="1200" cap="all" spc="50" baseline="0">
               <a:solidFill>
                 <a:schemeClr val="tx1">
                   <a:lumMod val="65000"/>
@@ -266,6 +271,163 @@
             </c:extLst>
           </c:dPt>
           <c:dLbls>
+            <c:dLbl>
+              <c:idx val="0"/>
+              <c:layout>
+                <c:manualLayout>
+                  <c:x val="-3.1933690268357927E-2"/>
+                  <c:y val="0.16683578454029885"/>
+                </c:manualLayout>
+              </c:layout>
+              <c:tx>
+                <c:rich>
+                  <a:bodyPr/>
+                  <a:lstStyle/>
+                  <a:p>
+                    <a:fld id="{E7345E44-E1BB-44FB-BFAF-E0F3CDA2148E}" type="PERCENTAGE">
+                      <a:rPr lang="en-US" sz="4400"/>
+                      <a:pPr/>
+                      <a:t>[PORCENTAGEM]</a:t>
+                    </a:fld>
+                    <a:endParaRPr lang="pt-BR"/>
+                  </a:p>
+                </c:rich>
+              </c:tx>
+              <c:dLblPos val="bestFit"/>
+              <c:showLegendKey val="0"/>
+              <c:showVal val="0"/>
+              <c:showCatName val="0"/>
+              <c:showSerName val="0"/>
+              <c:showPercent val="1"/>
+              <c:showBubbleSize val="0"/>
+              <c:extLst>
+                <c:ext xmlns:c15="http://schemas.microsoft.com/office/drawing/2012/chart" uri="{CE6537A1-D6FC-4f65-9D91-7224C49458BB}">
+                  <c15:dlblFieldTable/>
+                  <c15:showDataLabelsRange val="0"/>
+                </c:ext>
+                <c:ext xmlns:c16="http://schemas.microsoft.com/office/drawing/2014/chart" uri="{C3380CC4-5D6E-409C-BE32-E72D297353CC}">
+                  <c16:uniqueId val="{00000001-8D4C-4117-A59E-3D4822276468}"/>
+                </c:ext>
+              </c:extLst>
+            </c:dLbl>
+            <c:dLbl>
+              <c:idx val="1"/>
+              <c:layout>
+                <c:manualLayout>
+                  <c:x val="-0.1295197112974833"/>
+                  <c:y val="-3.0208945686327478E-2"/>
+                </c:manualLayout>
+              </c:layout>
+              <c:tx>
+                <c:rich>
+                  <a:bodyPr/>
+                  <a:lstStyle/>
+                  <a:p>
+                    <a:fld id="{A99CDDB5-1EC0-4E1A-B410-F26DF0EE628A}" type="PERCENTAGE">
+                      <a:rPr lang="en-US" sz="4400"/>
+                      <a:pPr/>
+                      <a:t>[PORCENTAGEM]</a:t>
+                    </a:fld>
+                    <a:endParaRPr lang="pt-BR"/>
+                  </a:p>
+                </c:rich>
+              </c:tx>
+              <c:dLblPos val="bestFit"/>
+              <c:showLegendKey val="0"/>
+              <c:showVal val="0"/>
+              <c:showCatName val="0"/>
+              <c:showSerName val="0"/>
+              <c:showPercent val="1"/>
+              <c:showBubbleSize val="0"/>
+              <c:extLst>
+                <c:ext xmlns:c15="http://schemas.microsoft.com/office/drawing/2012/chart" uri="{CE6537A1-D6FC-4f65-9D91-7224C49458BB}">
+                  <c15:dlblFieldTable/>
+                  <c15:showDataLabelsRange val="0"/>
+                </c:ext>
+                <c:ext xmlns:c16="http://schemas.microsoft.com/office/drawing/2014/chart" uri="{C3380CC4-5D6E-409C-BE32-E72D297353CC}">
+                  <c16:uniqueId val="{00000003-8D4C-4117-A59E-3D4822276468}"/>
+                </c:ext>
+              </c:extLst>
+            </c:dLbl>
+            <c:dLbl>
+              <c:idx val="2"/>
+              <c:tx>
+                <c:rich>
+                  <a:bodyPr rot="0" spcFirstLastPara="1" vertOverflow="ellipsis" vert="horz" wrap="square" lIns="38100" tIns="19050" rIns="38100" bIns="19050" anchor="ctr" anchorCtr="1">
+                    <a:noAutofit/>
+                  </a:bodyPr>
+                  <a:lstStyle/>
+                  <a:p>
+                    <a:pPr>
+                      <a:defRPr sz="1197" b="1" i="0" u="none" strike="noStrike" kern="1200" baseline="0">
+                        <a:solidFill>
+                          <a:schemeClr val="lt1"/>
+                        </a:solidFill>
+                        <a:latin typeface="+mn-lt"/>
+                        <a:ea typeface="+mn-ea"/>
+                        <a:cs typeface="+mn-cs"/>
+                      </a:defRPr>
+                    </a:pPr>
+                    <a:fld id="{2A8A47EA-B21B-426E-BCC6-1FE472C56698}" type="PERCENTAGE">
+                      <a:rPr lang="en-US" sz="4400"/>
+                      <a:pPr>
+                        <a:defRPr/>
+                      </a:pPr>
+                      <a:t>[PORCENTAGEM]</a:t>
+                    </a:fld>
+                    <a:endParaRPr lang="pt-BR"/>
+                  </a:p>
+                </c:rich>
+              </c:tx>
+              <c:spPr>
+                <a:noFill/>
+                <a:ln>
+                  <a:noFill/>
+                </a:ln>
+                <a:effectLst/>
+              </c:spPr>
+              <c:txPr>
+                <a:bodyPr rot="0" spcFirstLastPara="1" vertOverflow="ellipsis" vert="horz" wrap="square" lIns="38100" tIns="19050" rIns="38100" bIns="19050" anchor="ctr" anchorCtr="1">
+                  <a:noAutofit/>
+                </a:bodyPr>
+                <a:lstStyle/>
+                <a:p>
+                  <a:pPr>
+                    <a:defRPr sz="1197" b="1" i="0" u="none" strike="noStrike" kern="1200" baseline="0">
+                      <a:solidFill>
+                        <a:schemeClr val="lt1"/>
+                      </a:solidFill>
+                      <a:latin typeface="+mn-lt"/>
+                      <a:ea typeface="+mn-ea"/>
+                      <a:cs typeface="+mn-cs"/>
+                    </a:defRPr>
+                  </a:pPr>
+                  <a:endParaRPr lang="pt-BR"/>
+                </a:p>
+              </c:txPr>
+              <c:dLblPos val="inEnd"/>
+              <c:showLegendKey val="0"/>
+              <c:showVal val="0"/>
+              <c:showCatName val="0"/>
+              <c:showSerName val="0"/>
+              <c:showPercent val="1"/>
+              <c:showBubbleSize val="0"/>
+              <c:extLst>
+                <c:ext xmlns:c15="http://schemas.microsoft.com/office/drawing/2012/chart" uri="{CE6537A1-D6FC-4f65-9D91-7224C49458BB}">
+                  <c15:layout>
+                    <c:manualLayout>
+                      <c:w val="0.10697404307319186"/>
+                      <c:h val="0.15412618592674829"/>
+                    </c:manualLayout>
+                  </c15:layout>
+                  <c15:dlblFieldTable/>
+                  <c15:showDataLabelsRange val="0"/>
+                </c:ext>
+                <c:ext xmlns:c16="http://schemas.microsoft.com/office/drawing/2014/chart" uri="{C3380CC4-5D6E-409C-BE32-E72D297353CC}">
+                  <c16:uniqueId val="{00000005-8D4C-4117-A59E-3D4822276468}"/>
+                </c:ext>
+              </c:extLst>
+            </c:dLbl>
             <c:spPr>
               <a:noFill/>
               <a:ln>
@@ -354,35 +516,6 @@
             </c:numRef>
           </c:val>
           <c:extLst>
-            <c:ext xmlns:c15="http://schemas.microsoft.com/office/drawing/2012/chart" uri="{02D57815-91ED-43cb-92C2-25804820EDAC}">
-              <c15:categoryFilterExceptions>
-                <c15:categoryFilterException>
-                  <c15:sqref>Planilha1!$B$5</c15:sqref>
-                  <c15:spPr xmlns:c15="http://schemas.microsoft.com/office/drawing/2012/chart">
-                    <a:solidFill>
-                      <a:schemeClr val="accent2">
-                        <a:lumMod val="60000"/>
-                      </a:schemeClr>
-                    </a:solidFill>
-                    <a:ln>
-                      <a:noFill/>
-                    </a:ln>
-                    <a:effectLst/>
-                    <a:scene3d>
-                      <a:camera prst="orthographicFront"/>
-                      <a:lightRig rig="brightRoom" dir="t"/>
-                    </a:scene3d>
-                    <a:sp3d prstMaterial="flat">
-                      <a:bevelT w="50800" h="101600" prst="angle"/>
-                      <a:contourClr>
-                        <a:srgbClr val="000000"/>
-                      </a:contourClr>
-                    </a:sp3d>
-                  </c15:spPr>
-                  <c15:bubble3D val="0"/>
-                </c15:categoryFilterException>
-              </c15:categoryFilterExceptions>
-            </c:ext>
             <c:ext xmlns:c16="http://schemas.microsoft.com/office/drawing/2014/chart" uri="{C3380CC4-5D6E-409C-BE32-E72D297353CC}">
               <c16:uniqueId val="{00000000-AA68-457A-8733-64F4758ADD07}"/>
             </c:ext>
@@ -423,7 +556,7 @@
         <a:lstStyle/>
         <a:p>
           <a:pPr>
-            <a:defRPr sz="1197" b="0" i="0" u="none" strike="noStrike" kern="1200" baseline="0">
+            <a:defRPr sz="2400" b="0" i="0" u="none" strike="noStrike" kern="1200" baseline="0">
               <a:solidFill>
                 <a:schemeClr val="tx1">
                   <a:lumMod val="65000"/>
@@ -2885,7 +3018,7 @@
       </dgm:t>
     </dgm:pt>
     <dgm:pt modelId="{02458293-D00C-491C-AC6D-1545495A44A6}">
-      <dgm:prSet/>
+      <dgm:prSet custT="1"/>
       <dgm:spPr/>
       <dgm:t>
         <a:bodyPr/>
@@ -2897,10 +3030,10 @@
             </a:lnSpc>
           </a:pPr>
           <a:r>
-            <a:rPr lang="pt-BR"/>
+            <a:rPr lang="pt-BR" sz="3200" dirty="0"/>
             <a:t>Contexto</a:t>
           </a:r>
-          <a:endParaRPr lang="en-US"/>
+          <a:endParaRPr lang="en-US" sz="3200" dirty="0"/>
         </a:p>
       </dgm:t>
     </dgm:pt>
@@ -2927,7 +3060,7 @@
       </dgm:t>
     </dgm:pt>
     <dgm:pt modelId="{536EFFBD-C79D-449D-8860-609041CB4A80}">
-      <dgm:prSet/>
+      <dgm:prSet custT="1"/>
       <dgm:spPr/>
       <dgm:t>
         <a:bodyPr/>
@@ -2939,10 +3072,10 @@
             </a:lnSpc>
           </a:pPr>
           <a:r>
-            <a:rPr lang="pt-BR"/>
+            <a:rPr lang="pt-BR" sz="2400" dirty="0"/>
             <a:t>Comportamento</a:t>
           </a:r>
-          <a:endParaRPr lang="en-US"/>
+          <a:endParaRPr lang="en-US" sz="2400" dirty="0"/>
         </a:p>
       </dgm:t>
     </dgm:pt>
@@ -2981,10 +3114,10 @@
             </a:lnSpc>
           </a:pPr>
           <a:r>
-            <a:rPr lang="pt-BR"/>
+            <a:rPr lang="pt-BR" dirty="0"/>
             <a:t>Impacto</a:t>
           </a:r>
-          <a:endParaRPr lang="en-US"/>
+          <a:endParaRPr lang="en-US" dirty="0"/>
         </a:p>
       </dgm:t>
     </dgm:pt>
@@ -3906,7 +4039,7 @@
         </a:bodyPr>
         <a:lstStyle/>
         <a:p>
-          <a:pPr marL="0" lvl="0" indent="0" algn="ctr" defTabSz="1066800">
+          <a:pPr marL="0" lvl="0" indent="0" algn="ctr" defTabSz="1422400">
             <a:lnSpc>
               <a:spcPct val="100000"/>
             </a:lnSpc>
@@ -3919,10 +4052,10 @@
             <a:buNone/>
           </a:pPr>
           <a:r>
-            <a:rPr lang="pt-BR" sz="2400" kern="1200"/>
+            <a:rPr lang="pt-BR" sz="3200" kern="1200" dirty="0"/>
             <a:t>Contexto</a:t>
           </a:r>
-          <a:endParaRPr lang="en-US" sz="2400" kern="1200"/>
+          <a:endParaRPr lang="en-US" sz="3200" kern="1200" dirty="0"/>
         </a:p>
       </dsp:txBody>
       <dsp:txXfrm>
@@ -4037,10 +4170,10 @@
             <a:buNone/>
           </a:pPr>
           <a:r>
-            <a:rPr lang="pt-BR" sz="2400" kern="1200"/>
+            <a:rPr lang="pt-BR" sz="2400" kern="1200" dirty="0"/>
             <a:t>Comportamento</a:t>
           </a:r>
-          <a:endParaRPr lang="en-US" sz="2400" kern="1200"/>
+          <a:endParaRPr lang="en-US" sz="2400" kern="1200" dirty="0"/>
         </a:p>
       </dsp:txBody>
       <dsp:txXfrm>
@@ -4142,7 +4275,7 @@
         </a:bodyPr>
         <a:lstStyle/>
         <a:p>
-          <a:pPr marL="0" lvl="0" indent="0" algn="ctr" defTabSz="1066800">
+          <a:pPr marL="0" lvl="0" indent="0" algn="ctr" defTabSz="1555750">
             <a:lnSpc>
               <a:spcPct val="100000"/>
             </a:lnSpc>
@@ -4155,10 +4288,10 @@
             <a:buNone/>
           </a:pPr>
           <a:r>
-            <a:rPr lang="pt-BR" sz="2400" kern="1200"/>
+            <a:rPr lang="pt-BR" sz="3500" kern="1200" dirty="0"/>
             <a:t>Impacto</a:t>
           </a:r>
-          <a:endParaRPr lang="en-US" sz="2400" kern="1200"/>
+          <a:endParaRPr lang="en-US" sz="3500" kern="1200" dirty="0"/>
         </a:p>
       </dsp:txBody>
       <dsp:txXfrm>
@@ -4258,7 +4391,7 @@
         </a:bodyPr>
         <a:lstStyle/>
         <a:p>
-          <a:pPr marL="0" lvl="0" indent="0" algn="ctr" defTabSz="1066800">
+          <a:pPr marL="0" lvl="0" indent="0" algn="ctr" defTabSz="1555750">
             <a:lnSpc>
               <a:spcPct val="100000"/>
             </a:lnSpc>
@@ -4271,10 +4404,10 @@
             <a:buNone/>
           </a:pPr>
           <a:r>
-            <a:rPr lang="pt-BR" sz="2400" kern="1200" dirty="0"/>
+            <a:rPr lang="pt-BR" sz="3500" kern="1200" dirty="0"/>
             <a:t>Expectativa</a:t>
           </a:r>
-          <a:endParaRPr lang="en-US" sz="2400" kern="1200" dirty="0"/>
+          <a:endParaRPr lang="en-US" sz="3500" kern="1200" dirty="0"/>
         </a:p>
       </dsp:txBody>
       <dsp:txXfrm>
@@ -6916,7 +7049,7 @@
           <a:p>
             <a:fld id="{BB37BEBE-C0EB-46F4-B4D5-74A2B8ADCA94}" type="datetimeFigureOut">
               <a:rPr lang="pt-BR" smtClean="0"/>
-              <a:t>27/03/2024</a:t>
+              <a:t>22/05/2024</a:t>
             </a:fld>
             <a:endParaRPr lang="pt-BR"/>
           </a:p>
@@ -7114,7 +7247,7 @@
           <a:p>
             <a:fld id="{BB37BEBE-C0EB-46F4-B4D5-74A2B8ADCA94}" type="datetimeFigureOut">
               <a:rPr lang="pt-BR" smtClean="0"/>
-              <a:t>27/03/2024</a:t>
+              <a:t>22/05/2024</a:t>
             </a:fld>
             <a:endParaRPr lang="pt-BR"/>
           </a:p>
@@ -7322,7 +7455,7 @@
           <a:p>
             <a:fld id="{BB37BEBE-C0EB-46F4-B4D5-74A2B8ADCA94}" type="datetimeFigureOut">
               <a:rPr lang="pt-BR" smtClean="0"/>
-              <a:t>27/03/2024</a:t>
+              <a:t>22/05/2024</a:t>
             </a:fld>
             <a:endParaRPr lang="pt-BR"/>
           </a:p>
@@ -7520,7 +7653,7 @@
           <a:p>
             <a:fld id="{BB37BEBE-C0EB-46F4-B4D5-74A2B8ADCA94}" type="datetimeFigureOut">
               <a:rPr lang="pt-BR" smtClean="0"/>
-              <a:t>27/03/2024</a:t>
+              <a:t>22/05/2024</a:t>
             </a:fld>
             <a:endParaRPr lang="pt-BR"/>
           </a:p>
@@ -7795,7 +7928,7 @@
           <a:p>
             <a:fld id="{BB37BEBE-C0EB-46F4-B4D5-74A2B8ADCA94}" type="datetimeFigureOut">
               <a:rPr lang="pt-BR" smtClean="0"/>
-              <a:t>27/03/2024</a:t>
+              <a:t>22/05/2024</a:t>
             </a:fld>
             <a:endParaRPr lang="pt-BR"/>
           </a:p>
@@ -8060,7 +8193,7 @@
           <a:p>
             <a:fld id="{BB37BEBE-C0EB-46F4-B4D5-74A2B8ADCA94}" type="datetimeFigureOut">
               <a:rPr lang="pt-BR" smtClean="0"/>
-              <a:t>27/03/2024</a:t>
+              <a:t>22/05/2024</a:t>
             </a:fld>
             <a:endParaRPr lang="pt-BR"/>
           </a:p>
@@ -8472,7 +8605,7 @@
           <a:p>
             <a:fld id="{BB37BEBE-C0EB-46F4-B4D5-74A2B8ADCA94}" type="datetimeFigureOut">
               <a:rPr lang="pt-BR" smtClean="0"/>
-              <a:t>27/03/2024</a:t>
+              <a:t>22/05/2024</a:t>
             </a:fld>
             <a:endParaRPr lang="pt-BR"/>
           </a:p>
@@ -8613,7 +8746,7 @@
           <a:p>
             <a:fld id="{BB37BEBE-C0EB-46F4-B4D5-74A2B8ADCA94}" type="datetimeFigureOut">
               <a:rPr lang="pt-BR" smtClean="0"/>
-              <a:t>27/03/2024</a:t>
+              <a:t>22/05/2024</a:t>
             </a:fld>
             <a:endParaRPr lang="pt-BR"/>
           </a:p>
@@ -8726,7 +8859,7 @@
           <a:p>
             <a:fld id="{BB37BEBE-C0EB-46F4-B4D5-74A2B8ADCA94}" type="datetimeFigureOut">
               <a:rPr lang="pt-BR" smtClean="0"/>
-              <a:t>27/03/2024</a:t>
+              <a:t>22/05/2024</a:t>
             </a:fld>
             <a:endParaRPr lang="pt-BR"/>
           </a:p>
@@ -9037,7 +9170,7 @@
           <a:p>
             <a:fld id="{BB37BEBE-C0EB-46F4-B4D5-74A2B8ADCA94}" type="datetimeFigureOut">
               <a:rPr lang="pt-BR" smtClean="0"/>
-              <a:t>27/03/2024</a:t>
+              <a:t>22/05/2024</a:t>
             </a:fld>
             <a:endParaRPr lang="pt-BR"/>
           </a:p>
@@ -9325,7 +9458,7 @@
           <a:p>
             <a:fld id="{BB37BEBE-C0EB-46F4-B4D5-74A2B8ADCA94}" type="datetimeFigureOut">
               <a:rPr lang="pt-BR" smtClean="0"/>
-              <a:t>27/03/2024</a:t>
+              <a:t>22/05/2024</a:t>
             </a:fld>
             <a:endParaRPr lang="pt-BR"/>
           </a:p>
@@ -9566,7 +9699,7 @@
           <a:p>
             <a:fld id="{BB37BEBE-C0EB-46F4-B4D5-74A2B8ADCA94}" type="datetimeFigureOut">
               <a:rPr lang="pt-BR" smtClean="0"/>
-              <a:t>27/03/2024</a:t>
+              <a:t>22/05/2024</a:t>
             </a:fld>
             <a:endParaRPr lang="pt-BR"/>
           </a:p>
@@ -17205,7 +17338,7 @@
           <a:lstStyle/>
           <a:p>
             <a:r>
-              <a:rPr lang="pt-BR" sz="5200">
+              <a:rPr lang="pt-BR" sz="8000" dirty="0">
                 <a:solidFill>
                   <a:schemeClr val="tx2"/>
                 </a:solidFill>
@@ -19608,12 +19741,12 @@
         </p:spPr>
         <p:txBody>
           <a:bodyPr>
-            <a:normAutofit/>
+            <a:noAutofit/>
           </a:bodyPr>
           <a:lstStyle/>
           <a:p>
             <a:r>
-              <a:rPr lang="pt-BR" sz="4000" dirty="0"/>
+              <a:rPr lang="pt-BR" sz="6000" dirty="0"/>
               <a:t>Como dar um Feedback</a:t>
             </a:r>
           </a:p>
@@ -19643,48 +19776,48 @@
         </p:spPr>
         <p:txBody>
           <a:bodyPr anchor="ctr">
-            <a:normAutofit/>
+            <a:noAutofit/>
           </a:bodyPr>
           <a:lstStyle/>
           <a:p>
             <a:r>
-              <a:rPr lang="pt-BR" sz="2000" dirty="0"/>
+              <a:rPr lang="pt-BR" dirty="0"/>
               <a:t>Não comparar</a:t>
             </a:r>
           </a:p>
           <a:p>
             <a:r>
-              <a:rPr lang="pt-BR" sz="2000" dirty="0"/>
+              <a:rPr lang="pt-BR" dirty="0"/>
               <a:t>Tempo</a:t>
             </a:r>
           </a:p>
           <a:p>
             <a:r>
-              <a:rPr lang="pt-BR" sz="2000" dirty="0"/>
+              <a:rPr lang="pt-BR" dirty="0"/>
               <a:t>Esperar os ânimos se acalmarem</a:t>
             </a:r>
           </a:p>
           <a:p>
             <a:r>
-              <a:rPr lang="pt-BR" sz="2000" dirty="0"/>
+              <a:rPr lang="pt-BR" dirty="0"/>
               <a:t>Se preparar</a:t>
             </a:r>
           </a:p>
           <a:p>
             <a:r>
-              <a:rPr lang="pt-BR" sz="2000" dirty="0"/>
+              <a:rPr lang="pt-BR" dirty="0"/>
               <a:t>Fugir do “Sanduíche”</a:t>
             </a:r>
           </a:p>
           <a:p>
             <a:r>
-              <a:rPr lang="pt-BR" sz="2000" dirty="0"/>
+              <a:rPr lang="pt-BR" dirty="0"/>
               <a:t>1 crítica = 6 elogios</a:t>
             </a:r>
           </a:p>
           <a:p>
             <a:r>
-              <a:rPr lang="pt-BR" sz="2000" dirty="0"/>
+              <a:rPr lang="pt-BR" dirty="0"/>
               <a:t>Nem todo mundo prefere o Feedback construtivo </a:t>
             </a:r>
           </a:p>
@@ -19700,13 +19833,13 @@
   <p:clrMapOvr>
     <a:masterClrMapping/>
   </p:clrMapOvr>
-  <mc:AlternateContent xmlns:mc="http://schemas.openxmlformats.org/markup-compatibility/2006">
-    <mc:Choice xmlns:p159="http://schemas.microsoft.com/office/powerpoint/2015/09/main" Requires="p159">
+  <mc:AlternateContent xmlns:mc="http://schemas.openxmlformats.org/markup-compatibility/2006" xmlns:p159="http://schemas.microsoft.com/office/powerpoint/2015/09/main">
+    <mc:Choice Requires="p159">
       <p:transition xmlns:p14="http://schemas.microsoft.com/office/powerpoint/2010/main" spd="slow" p14:dur="2000">
         <p159:morph option="byObject"/>
       </p:transition>
     </mc:Choice>
-    <mc:Fallback>
+    <mc:Fallback xmlns="">
       <p:transition spd="slow">
         <p:fade/>
       </p:transition>
@@ -19985,12 +20118,12 @@
         </p:spPr>
         <p:txBody>
           <a:bodyPr anchor="ctr">
-            <a:normAutofit/>
+            <a:noAutofit/>
           </a:bodyPr>
           <a:lstStyle/>
           <a:p>
             <a:r>
-              <a:rPr lang="pt-BR" sz="4000" dirty="0"/>
+              <a:rPr lang="pt-BR" sz="6000" dirty="0"/>
               <a:t>Como receber um Feedback</a:t>
             </a:r>
           </a:p>
@@ -20020,54 +20153,54 @@
         </p:spPr>
         <p:txBody>
           <a:bodyPr anchor="ctr">
-            <a:normAutofit/>
+            <a:noAutofit/>
           </a:bodyPr>
           <a:lstStyle/>
           <a:p>
             <a:r>
-              <a:rPr lang="pt-BR" sz="2000" dirty="0"/>
+              <a:rPr lang="pt-BR" dirty="0"/>
               <a:t>Reconhecer o valor do Feedback construtivo</a:t>
             </a:r>
           </a:p>
           <a:p>
             <a:r>
-              <a:rPr lang="pt-BR" sz="2000" dirty="0"/>
+              <a:rPr lang="pt-BR" dirty="0"/>
               <a:t>Enxergar a outra perspectiva</a:t>
             </a:r>
           </a:p>
           <a:p>
             <a:r>
-              <a:rPr lang="pt-BR" sz="2000" dirty="0"/>
+              <a:rPr lang="pt-BR" dirty="0"/>
               <a:t>Pessoa X Comportamento</a:t>
             </a:r>
           </a:p>
           <a:p>
             <a:r>
-              <a:rPr lang="pt-BR" sz="2000" dirty="0"/>
+              <a:rPr lang="pt-BR" dirty="0"/>
               <a:t>Ouvir atentamente</a:t>
             </a:r>
           </a:p>
           <a:p>
             <a:r>
-              <a:rPr lang="pt-BR" sz="2000" dirty="0"/>
+              <a:rPr lang="pt-BR" dirty="0"/>
               <a:t>Buscar SUAS soluções</a:t>
             </a:r>
           </a:p>
           <a:p>
             <a:r>
-              <a:rPr lang="pt-BR" sz="2000" dirty="0"/>
+              <a:rPr lang="pt-BR" dirty="0"/>
               <a:t>Mudanças construtivas</a:t>
             </a:r>
           </a:p>
           <a:p>
             <a:r>
-              <a:rPr lang="pt-BR" sz="2000" dirty="0"/>
+              <a:rPr lang="pt-BR" dirty="0"/>
               <a:t>Comunicar-se claramente</a:t>
             </a:r>
           </a:p>
           <a:p>
             <a:r>
-              <a:rPr lang="pt-BR" sz="2000" dirty="0"/>
+              <a:rPr lang="pt-BR" dirty="0"/>
               <a:t>Agradecer e melhorar</a:t>
             </a:r>
           </a:p>
@@ -20112,13 +20245,13 @@
   <p:clrMapOvr>
     <a:masterClrMapping/>
   </p:clrMapOvr>
-  <mc:AlternateContent xmlns:mc="http://schemas.openxmlformats.org/markup-compatibility/2006">
-    <mc:Choice xmlns:p159="http://schemas.microsoft.com/office/powerpoint/2015/09/main" Requires="p159">
+  <mc:AlternateContent xmlns:mc="http://schemas.openxmlformats.org/markup-compatibility/2006" xmlns:p159="http://schemas.microsoft.com/office/powerpoint/2015/09/main">
+    <mc:Choice Requires="p159">
       <p:transition xmlns:p14="http://schemas.microsoft.com/office/powerpoint/2010/main" spd="slow" p14:dur="2000">
         <p159:morph option="byObject"/>
       </p:transition>
     </mc:Choice>
-    <mc:Fallback>
+    <mc:Fallback xmlns="">
       <p:transition spd="slow">
         <p:fade/>
       </p:transition>
@@ -22101,7 +22234,7 @@
           <a:p>
             <a:pPr algn="ctr"/>
             <a:r>
-              <a:rPr lang="pt-BR" sz="3600">
+              <a:rPr lang="pt-BR" sz="6000" dirty="0">
                 <a:solidFill>
                   <a:schemeClr val="tx2"/>
                 </a:solidFill>
@@ -23198,13 +23331,13 @@
   <p:clrMapOvr>
     <a:masterClrMapping/>
   </p:clrMapOvr>
-  <mc:AlternateContent xmlns:mc="http://schemas.openxmlformats.org/markup-compatibility/2006">
-    <mc:Choice xmlns:p159="http://schemas.microsoft.com/office/powerpoint/2015/09/main" Requires="p159">
+  <mc:AlternateContent xmlns:mc="http://schemas.openxmlformats.org/markup-compatibility/2006" xmlns:p159="http://schemas.microsoft.com/office/powerpoint/2015/09/main">
+    <mc:Choice Requires="p159">
       <p:transition xmlns:p14="http://schemas.microsoft.com/office/powerpoint/2010/main" spd="slow" p14:dur="2000">
         <p159:morph option="byObject"/>
       </p:transition>
     </mc:Choice>
-    <mc:Fallback>
+    <mc:Fallback xmlns="">
       <p:transition spd="slow">
         <p:fade/>
       </p:transition>
@@ -23248,11 +23381,13 @@
         </p:nvSpPr>
         <p:spPr/>
         <p:txBody>
-          <a:bodyPr/>
+          <a:bodyPr>
+            <a:normAutofit/>
+          </a:bodyPr>
           <a:lstStyle/>
           <a:p>
             <a:r>
-              <a:rPr lang="pt-BR" dirty="0"/>
+              <a:rPr lang="pt-BR" sz="6000" dirty="0"/>
               <a:t>Sumário</a:t>
             </a:r>
           </a:p>
@@ -23299,13 +23434,13 @@
   <p:clrMapOvr>
     <a:masterClrMapping/>
   </p:clrMapOvr>
-  <mc:AlternateContent xmlns:mc="http://schemas.openxmlformats.org/markup-compatibility/2006">
-    <mc:Choice xmlns:p159="http://schemas.microsoft.com/office/powerpoint/2015/09/main" Requires="p159">
+  <mc:AlternateContent xmlns:mc="http://schemas.openxmlformats.org/markup-compatibility/2006" xmlns:p159="http://schemas.microsoft.com/office/powerpoint/2015/09/main">
+    <mc:Choice Requires="p159">
       <p:transition xmlns:p14="http://schemas.microsoft.com/office/powerpoint/2010/main" spd="slow" p14:dur="2000">
         <p159:morph option="byObject"/>
       </p:transition>
     </mc:Choice>
-    <mc:Fallback>
+    <mc:Fallback xmlns="">
       <p:transition spd="slow">
         <p:fade/>
       </p:transition>
@@ -23525,12 +23660,12 @@
         </p:spPr>
         <p:txBody>
           <a:bodyPr>
-            <a:normAutofit/>
+            <a:noAutofit/>
           </a:bodyPr>
           <a:lstStyle/>
           <a:p>
             <a:r>
-              <a:rPr lang="pt-BR" sz="4000" dirty="0"/>
+              <a:rPr lang="pt-BR" sz="6000" dirty="0"/>
               <a:t>O que é Feedback?</a:t>
             </a:r>
           </a:p>
@@ -23560,30 +23695,30 @@
         </p:spPr>
         <p:txBody>
           <a:bodyPr anchor="ctr">
-            <a:normAutofit/>
+            <a:noAutofit/>
           </a:bodyPr>
           <a:lstStyle/>
           <a:p>
             <a:r>
-              <a:rPr lang="pt-BR" sz="2000"/>
+              <a:rPr lang="pt-BR" dirty="0"/>
               <a:t>"Retroalimentação"​</a:t>
             </a:r>
           </a:p>
           <a:p>
             <a:r>
-              <a:rPr lang="pt-BR" sz="2000"/>
+              <a:rPr lang="pt-BR" dirty="0"/>
               <a:t>Retorno de desempenho/conduta/Ação​</a:t>
             </a:r>
           </a:p>
           <a:p>
             <a:r>
-              <a:rPr lang="pt-BR" sz="2000"/>
+              <a:rPr lang="pt-BR" dirty="0"/>
               <a:t>Origem na mecânica e informática​</a:t>
             </a:r>
           </a:p>
           <a:p>
             <a:r>
-              <a:rPr lang="pt-BR" sz="2000"/>
+              <a:rPr lang="pt-BR" dirty="0"/>
               <a:t>Forma de mostrar que você se importa com os outros</a:t>
             </a:r>
           </a:p>
@@ -23599,13 +23734,13 @@
   <p:clrMapOvr>
     <a:masterClrMapping/>
   </p:clrMapOvr>
-  <mc:AlternateContent xmlns:mc="http://schemas.openxmlformats.org/markup-compatibility/2006">
-    <mc:Choice xmlns:p159="http://schemas.microsoft.com/office/powerpoint/2015/09/main" Requires="p159">
+  <mc:AlternateContent xmlns:mc="http://schemas.openxmlformats.org/markup-compatibility/2006" xmlns:p159="http://schemas.microsoft.com/office/powerpoint/2015/09/main">
+    <mc:Choice Requires="p159">
       <p:transition xmlns:p14="http://schemas.microsoft.com/office/powerpoint/2010/main" spd="slow" p14:dur="2000">
         <p159:morph option="byObject"/>
       </p:transition>
     </mc:Choice>
-    <mc:Fallback>
+    <mc:Fallback xmlns="">
       <p:transition spd="slow">
         <p:fade/>
       </p:transition>
@@ -24201,7 +24336,7 @@
           <p:nvPr>
             <p:extLst>
               <p:ext uri="{D42A27DB-BD31-4B8C-83A1-F6EECF244321}">
-                <p14:modId xmlns:p14="http://schemas.microsoft.com/office/powerpoint/2010/main" val="393317988"/>
+                <p14:modId xmlns:p14="http://schemas.microsoft.com/office/powerpoint/2010/main" val="828647717"/>
               </p:ext>
             </p:extLst>
           </p:nvPr>
@@ -24216,6 +24351,46 @@
           </a:graphicData>
         </a:graphic>
       </p:graphicFrame>
+      <p:sp>
+        <p:nvSpPr>
+          <p:cNvPr id="2" name="CaixaDeTexto 1">
+            <a:extLst>
+              <a:ext uri="{FF2B5EF4-FFF2-40B4-BE49-F238E27FC236}">
+                <a16:creationId xmlns:a16="http://schemas.microsoft.com/office/drawing/2014/main" id="{8F210BB5-48A2-FC66-3216-F51806C37174}"/>
+              </a:ext>
+            </a:extLst>
+          </p:cNvPr>
+          <p:cNvSpPr txBox="1"/>
+          <p:nvPr/>
+        </p:nvSpPr>
+        <p:spPr>
+          <a:xfrm>
+            <a:off x="10066201" y="6453143"/>
+            <a:ext cx="2029723" cy="369332"/>
+          </a:xfrm>
+          <a:prstGeom prst="rect">
+            <a:avLst/>
+          </a:prstGeom>
+          <a:noFill/>
+        </p:spPr>
+        <p:txBody>
+          <a:bodyPr wrap="none" rtlCol="0">
+            <a:spAutoFit/>
+          </a:bodyPr>
+          <a:lstStyle/>
+          <a:p>
+            <a:r>
+              <a:rPr lang="pt-BR" dirty="0"/>
+              <a:t>Fonte: </a:t>
+            </a:r>
+            <a:r>
+              <a:rPr lang="pt-BR" dirty="0" err="1"/>
+              <a:t>RockContent</a:t>
+            </a:r>
+            <a:endParaRPr lang="pt-BR" dirty="0"/>
+          </a:p>
+        </p:txBody>
+      </p:sp>
     </p:spTree>
     <p:extLst>
       <p:ext uri="{BB962C8B-B14F-4D97-AF65-F5344CB8AC3E}">
@@ -24226,13 +24401,13 @@
   <p:clrMapOvr>
     <a:masterClrMapping/>
   </p:clrMapOvr>
-  <mc:AlternateContent xmlns:mc="http://schemas.openxmlformats.org/markup-compatibility/2006">
-    <mc:Choice xmlns:p159="http://schemas.microsoft.com/office/powerpoint/2015/09/main" Requires="p159">
+  <mc:AlternateContent xmlns:mc="http://schemas.openxmlformats.org/markup-compatibility/2006" xmlns:p159="http://schemas.microsoft.com/office/powerpoint/2015/09/main">
+    <mc:Choice Requires="p159">
       <p:transition xmlns:p14="http://schemas.microsoft.com/office/powerpoint/2010/main" spd="slow" p14:dur="2000">
         <p159:morph option="byObject"/>
       </p:transition>
     </mc:Choice>
-    <mc:Fallback>
+    <mc:Fallback xmlns="">
       <p:transition spd="slow">
         <p:fade/>
       </p:transition>
@@ -24413,12 +24588,12 @@
         </p:spPr>
         <p:txBody>
           <a:bodyPr>
-            <a:normAutofit/>
+            <a:noAutofit/>
           </a:bodyPr>
           <a:lstStyle/>
           <a:p>
             <a:r>
-              <a:rPr lang="pt-BR" sz="3600">
+              <a:rPr lang="pt-BR" sz="6000" dirty="0">
                 <a:solidFill>
                   <a:schemeClr val="tx2"/>
                 </a:solidFill>
@@ -24457,7 +24632,7 @@
           <a:lstStyle/>
           <a:p>
             <a:r>
-              <a:rPr lang="pt-BR" sz="1800">
+              <a:rPr lang="pt-BR" sz="3200" dirty="0">
                 <a:solidFill>
                   <a:schemeClr val="tx2"/>
                 </a:solidFill>
@@ -24467,7 +24642,7 @@
           </a:p>
           <a:p>
             <a:r>
-              <a:rPr lang="pt-BR" sz="1800">
+              <a:rPr lang="pt-BR" sz="3200" dirty="0">
                 <a:solidFill>
                   <a:schemeClr val="tx2"/>
                 </a:solidFill>
@@ -24477,7 +24652,7 @@
           </a:p>
           <a:p>
             <a:r>
-              <a:rPr lang="pt-BR" sz="1800">
+              <a:rPr lang="pt-BR" sz="3200" dirty="0">
                 <a:solidFill>
                   <a:schemeClr val="tx2"/>
                 </a:solidFill>
@@ -27318,13 +27493,13 @@
   <p:clrMapOvr>
     <a:masterClrMapping/>
   </p:clrMapOvr>
-  <mc:AlternateContent xmlns:mc="http://schemas.openxmlformats.org/markup-compatibility/2006">
-    <mc:Choice xmlns:p159="http://schemas.microsoft.com/office/powerpoint/2015/09/main" Requires="p159">
+  <mc:AlternateContent xmlns:mc="http://schemas.openxmlformats.org/markup-compatibility/2006" xmlns:p159="http://schemas.microsoft.com/office/powerpoint/2015/09/main">
+    <mc:Choice Requires="p159">
       <p:transition xmlns:p14="http://schemas.microsoft.com/office/powerpoint/2010/main" spd="slow" p14:dur="2000">
         <p159:morph option="byObject"/>
       </p:transition>
     </mc:Choice>
-    <mc:Fallback>
+    <mc:Fallback xmlns="">
       <p:transition spd="slow">
         <p:fade/>
       </p:transition>
@@ -27505,12 +27680,12 @@
         </p:spPr>
         <p:txBody>
           <a:bodyPr>
-            <a:normAutofit/>
+            <a:noAutofit/>
           </a:bodyPr>
           <a:lstStyle/>
           <a:p>
             <a:r>
-              <a:rPr lang="pt-BR" sz="3600" dirty="0">
+              <a:rPr lang="pt-BR" sz="6000" dirty="0">
                 <a:solidFill>
                   <a:schemeClr val="tx2"/>
                 </a:solidFill>
@@ -27544,7 +27719,7 @@
         </p:spPr>
         <p:txBody>
           <a:bodyPr anchor="ctr">
-            <a:normAutofit/>
+            <a:noAutofit/>
           </a:bodyPr>
           <a:lstStyle/>
           <a:p>
@@ -27552,7 +27727,7 @@
               <a:buNone/>
             </a:pPr>
             <a:r>
-              <a:rPr lang="pt-BR" sz="1800" dirty="0">
+              <a:rPr lang="pt-BR" sz="2400" dirty="0">
                 <a:solidFill>
                   <a:schemeClr val="tx2"/>
                 </a:solidFill>
@@ -27562,7 +27737,7 @@
           </a:p>
           <a:p>
             <a:r>
-              <a:rPr lang="pt-BR" sz="1800" dirty="0">
+              <a:rPr lang="pt-BR" sz="2400" dirty="0">
                 <a:solidFill>
                   <a:schemeClr val="tx2"/>
                 </a:solidFill>
@@ -27572,7 +27747,7 @@
           </a:p>
           <a:p>
             <a:r>
-              <a:rPr lang="pt-BR" sz="1800" dirty="0">
+              <a:rPr lang="pt-BR" sz="2400" dirty="0">
                 <a:solidFill>
                   <a:schemeClr val="tx2"/>
                 </a:solidFill>
@@ -27585,7 +27760,7 @@
               <a:buNone/>
             </a:pPr>
             <a:r>
-              <a:rPr lang="pt-BR" sz="1800" dirty="0">
+              <a:rPr lang="pt-BR" sz="2400" dirty="0">
                 <a:solidFill>
                   <a:schemeClr val="tx2"/>
                 </a:solidFill>
@@ -27595,7 +27770,7 @@
           </a:p>
           <a:p>
             <a:r>
-              <a:rPr lang="pt-BR" sz="1800" dirty="0">
+              <a:rPr lang="pt-BR" sz="2400" dirty="0">
                 <a:solidFill>
                   <a:schemeClr val="tx2"/>
                 </a:solidFill>
@@ -27605,7 +27780,7 @@
           </a:p>
           <a:p>
             <a:r>
-              <a:rPr lang="pt-BR" sz="1800" dirty="0">
+              <a:rPr lang="pt-BR" sz="2400" dirty="0">
                 <a:solidFill>
                   <a:schemeClr val="tx2"/>
                 </a:solidFill>
@@ -27615,7 +27790,7 @@
           </a:p>
           <a:p>
             <a:r>
-              <a:rPr lang="pt-BR" sz="1800" dirty="0">
+              <a:rPr lang="pt-BR" sz="2400" dirty="0">
                 <a:solidFill>
                   <a:schemeClr val="tx2"/>
                 </a:solidFill>
@@ -30456,13 +30631,13 @@
   <p:clrMapOvr>
     <a:masterClrMapping/>
   </p:clrMapOvr>
-  <mc:AlternateContent xmlns:mc="http://schemas.openxmlformats.org/markup-compatibility/2006">
-    <mc:Choice xmlns:p159="http://schemas.microsoft.com/office/powerpoint/2015/09/main" Requires="p159">
+  <mc:AlternateContent xmlns:mc="http://schemas.openxmlformats.org/markup-compatibility/2006" xmlns:p159="http://schemas.microsoft.com/office/powerpoint/2015/09/main">
+    <mc:Choice Requires="p159">
       <p:transition xmlns:p14="http://schemas.microsoft.com/office/powerpoint/2010/main" spd="slow" p14:dur="2000">
         <p159:morph option="byObject"/>
       </p:transition>
     </mc:Choice>
-    <mc:Fallback>
+    <mc:Fallback xmlns="">
       <p:transition spd="slow">
         <p:fade/>
       </p:transition>
@@ -30643,12 +30818,12 @@
         </p:spPr>
         <p:txBody>
           <a:bodyPr>
-            <a:normAutofit/>
+            <a:noAutofit/>
           </a:bodyPr>
           <a:lstStyle/>
           <a:p>
             <a:r>
-              <a:rPr lang="pt-BR" sz="3600" dirty="0">
+              <a:rPr lang="pt-BR" sz="5400" dirty="0">
                 <a:solidFill>
                   <a:schemeClr val="tx2"/>
                 </a:solidFill>
@@ -30682,7 +30857,7 @@
         </p:spPr>
         <p:txBody>
           <a:bodyPr anchor="ctr">
-            <a:normAutofit/>
+            <a:noAutofit/>
           </a:bodyPr>
           <a:lstStyle/>
           <a:p>
@@ -30690,7 +30865,7 @@
               <a:buNone/>
             </a:pPr>
             <a:r>
-              <a:rPr lang="pt-BR" sz="1800" dirty="0">
+              <a:rPr lang="pt-BR" sz="2000" dirty="0">
                 <a:solidFill>
                   <a:schemeClr val="tx2"/>
                 </a:solidFill>
@@ -30700,7 +30875,7 @@
           </a:p>
           <a:p>
             <a:r>
-              <a:rPr lang="pt-BR" sz="1800" dirty="0">
+              <a:rPr lang="pt-BR" sz="2000" dirty="0">
                 <a:solidFill>
                   <a:schemeClr val="tx2"/>
                 </a:solidFill>
@@ -30713,7 +30888,7 @@
               <a:buNone/>
             </a:pPr>
             <a:r>
-              <a:rPr lang="pt-BR" sz="1800" dirty="0">
+              <a:rPr lang="pt-BR" sz="2000" dirty="0">
                 <a:solidFill>
                   <a:schemeClr val="tx2"/>
                 </a:solidFill>
@@ -30723,7 +30898,7 @@
           </a:p>
           <a:p>
             <a:r>
-              <a:rPr lang="pt-BR" sz="1800" dirty="0">
+              <a:rPr lang="pt-BR" sz="2000" dirty="0">
                 <a:solidFill>
                   <a:schemeClr val="tx2"/>
                 </a:solidFill>
@@ -30733,7 +30908,7 @@
           </a:p>
           <a:p>
             <a:r>
-              <a:rPr lang="pt-BR" sz="1800" dirty="0">
+              <a:rPr lang="pt-BR" sz="2000" dirty="0">
                 <a:solidFill>
                   <a:schemeClr val="tx2"/>
                 </a:solidFill>
@@ -30743,7 +30918,7 @@
           </a:p>
           <a:p>
             <a:r>
-              <a:rPr lang="pt-BR" sz="1800" dirty="0">
+              <a:rPr lang="pt-BR" sz="2000" dirty="0">
                 <a:solidFill>
                   <a:schemeClr val="tx2"/>
                 </a:solidFill>
@@ -30756,7 +30931,7 @@
               <a:buNone/>
             </a:pPr>
             <a:r>
-              <a:rPr lang="pt-BR" sz="1800" dirty="0">
+              <a:rPr lang="pt-BR" sz="2000" dirty="0">
                 <a:solidFill>
                   <a:schemeClr val="tx2"/>
                 </a:solidFill>
@@ -30766,7 +30941,7 @@
           </a:p>
           <a:p>
             <a:r>
-              <a:rPr lang="pt-BR" sz="1800" dirty="0">
+              <a:rPr lang="pt-BR" sz="2000" dirty="0">
                 <a:solidFill>
                   <a:schemeClr val="tx2"/>
                 </a:solidFill>
@@ -30776,7 +30951,7 @@
           </a:p>
           <a:p>
             <a:r>
-              <a:rPr lang="pt-BR" sz="1800" dirty="0">
+              <a:rPr lang="pt-BR" sz="2000" dirty="0">
                 <a:solidFill>
                   <a:schemeClr val="tx2"/>
                 </a:solidFill>
@@ -33616,13 +33791,13 @@
   <p:clrMapOvr>
     <a:masterClrMapping/>
   </p:clrMapOvr>
-  <mc:AlternateContent xmlns:mc="http://schemas.openxmlformats.org/markup-compatibility/2006">
-    <mc:Choice xmlns:p159="http://schemas.microsoft.com/office/powerpoint/2015/09/main" Requires="p159">
+  <mc:AlternateContent xmlns:mc="http://schemas.openxmlformats.org/markup-compatibility/2006" xmlns:p159="http://schemas.microsoft.com/office/powerpoint/2015/09/main">
+    <mc:Choice Requires="p159">
       <p:transition xmlns:p14="http://schemas.microsoft.com/office/powerpoint/2010/main" spd="slow" p14:dur="2000">
         <p159:morph option="byObject"/>
       </p:transition>
     </mc:Choice>
-    <mc:Fallback>
+    <mc:Fallback xmlns="">
       <p:transition spd="slow">
         <p:fade/>
       </p:transition>
@@ -33803,12 +33978,12 @@
         </p:spPr>
         <p:txBody>
           <a:bodyPr>
-            <a:normAutofit/>
+            <a:noAutofit/>
           </a:bodyPr>
           <a:lstStyle/>
           <a:p>
             <a:r>
-              <a:rPr lang="pt-BR" sz="3600" dirty="0">
+              <a:rPr lang="pt-BR" sz="6000" dirty="0">
                 <a:solidFill>
                   <a:schemeClr val="tx2"/>
                 </a:solidFill>
@@ -33842,7 +34017,7 @@
         </p:spPr>
         <p:txBody>
           <a:bodyPr anchor="ctr">
-            <a:normAutofit/>
+            <a:noAutofit/>
           </a:bodyPr>
           <a:lstStyle/>
           <a:p>
@@ -33850,7 +34025,7 @@
               <a:buNone/>
             </a:pPr>
             <a:r>
-              <a:rPr lang="pt-BR" sz="1800" dirty="0">
+              <a:rPr lang="pt-BR" sz="2000" dirty="0">
                 <a:solidFill>
                   <a:schemeClr val="tx2"/>
                 </a:solidFill>
@@ -33860,7 +34035,7 @@
           </a:p>
           <a:p>
             <a:r>
-              <a:rPr lang="pt-BR" sz="1800" dirty="0">
+              <a:rPr lang="pt-BR" sz="2000" dirty="0">
                 <a:solidFill>
                   <a:schemeClr val="tx2"/>
                 </a:solidFill>
@@ -33873,7 +34048,7 @@
               <a:buNone/>
             </a:pPr>
             <a:r>
-              <a:rPr lang="pt-BR" sz="1800" dirty="0">
+              <a:rPr lang="pt-BR" sz="2000" dirty="0">
                 <a:solidFill>
                   <a:schemeClr val="tx2"/>
                 </a:solidFill>
@@ -33883,7 +34058,7 @@
           </a:p>
           <a:p>
             <a:r>
-              <a:rPr lang="pt-BR" sz="1800" dirty="0">
+              <a:rPr lang="pt-BR" sz="2000" dirty="0">
                 <a:solidFill>
                   <a:schemeClr val="tx2"/>
                 </a:solidFill>
@@ -33896,7 +34071,7 @@
               <a:buNone/>
             </a:pPr>
             <a:r>
-              <a:rPr lang="pt-BR" sz="1800" dirty="0">
+              <a:rPr lang="pt-BR" sz="2000" dirty="0">
                 <a:solidFill>
                   <a:schemeClr val="tx2"/>
                 </a:solidFill>
@@ -33906,7 +34081,7 @@
           </a:p>
           <a:p>
             <a:r>
-              <a:rPr lang="pt-BR" sz="1800" dirty="0">
+              <a:rPr lang="pt-BR" sz="2000" dirty="0">
                 <a:solidFill>
                   <a:schemeClr val="tx2"/>
                 </a:solidFill>
@@ -33916,7 +34091,7 @@
           </a:p>
           <a:p>
             <a:r>
-              <a:rPr lang="pt-BR" sz="1800" dirty="0">
+              <a:rPr lang="pt-BR" sz="2000" dirty="0">
                 <a:solidFill>
                   <a:schemeClr val="tx2"/>
                 </a:solidFill>
@@ -33926,7 +34101,7 @@
           </a:p>
           <a:p>
             <a:r>
-              <a:rPr lang="pt-BR" sz="1800" dirty="0">
+              <a:rPr lang="pt-BR" sz="2000" dirty="0">
                 <a:solidFill>
                   <a:schemeClr val="tx2"/>
                 </a:solidFill>
@@ -36767,13 +36942,13 @@
   <p:clrMapOvr>
     <a:masterClrMapping/>
   </p:clrMapOvr>
-  <mc:AlternateContent xmlns:mc="http://schemas.openxmlformats.org/markup-compatibility/2006">
-    <mc:Choice xmlns:p159="http://schemas.microsoft.com/office/powerpoint/2015/09/main" Requires="p159">
+  <mc:AlternateContent xmlns:mc="http://schemas.openxmlformats.org/markup-compatibility/2006" xmlns:p159="http://schemas.microsoft.com/office/powerpoint/2015/09/main">
+    <mc:Choice Requires="p159">
       <p:transition xmlns:p14="http://schemas.microsoft.com/office/powerpoint/2010/main" spd="slow" p14:dur="2000">
         <p159:morph option="byObject"/>
       </p:transition>
     </mc:Choice>
-    <mc:Fallback>
+    <mc:Fallback xmlns="">
       <p:transition spd="slow">
         <p:fade/>
       </p:transition>
@@ -36817,11 +36992,13 @@
         </p:nvSpPr>
         <p:spPr/>
         <p:txBody>
-          <a:bodyPr/>
+          <a:bodyPr>
+            <a:normAutofit/>
+          </a:bodyPr>
           <a:lstStyle/>
           <a:p>
             <a:r>
-              <a:rPr lang="pt-BR" dirty="0"/>
+              <a:rPr lang="pt-BR" sz="6000" dirty="0"/>
               <a:t>Como dar um Feedback</a:t>
             </a:r>
           </a:p>
@@ -36843,7 +37020,7 @@
             <p:ph idx="1"/>
             <p:extLst>
               <p:ext uri="{D42A27DB-BD31-4B8C-83A1-F6EECF244321}">
-                <p14:modId xmlns:p14="http://schemas.microsoft.com/office/powerpoint/2010/main" val="1383699695"/>
+                <p14:modId xmlns:p14="http://schemas.microsoft.com/office/powerpoint/2010/main" val="4252390589"/>
               </p:ext>
             </p:extLst>
           </p:nvPr>
@@ -36868,13 +37045,13 @@
   <p:clrMapOvr>
     <a:masterClrMapping/>
   </p:clrMapOvr>
-  <mc:AlternateContent xmlns:mc="http://schemas.openxmlformats.org/markup-compatibility/2006">
-    <mc:Choice xmlns:p159="http://schemas.microsoft.com/office/powerpoint/2015/09/main" Requires="p159">
+  <mc:AlternateContent xmlns:mc="http://schemas.openxmlformats.org/markup-compatibility/2006" xmlns:p159="http://schemas.microsoft.com/office/powerpoint/2015/09/main">
+    <mc:Choice Requires="p159">
       <p:transition xmlns:p14="http://schemas.microsoft.com/office/powerpoint/2010/main" spd="slow" p14:dur="2000">
         <p159:morph option="byObject"/>
       </p:transition>
     </mc:Choice>
-    <mc:Fallback>
+    <mc:Fallback xmlns="">
       <p:transition spd="slow">
         <p:fade/>
       </p:transition>
